--- a/intrinsic image/seven.pptx
+++ b/intrinsic image/seven.pptx
@@ -5,7 +5,7 @@
     <p:sldMasterId id="2147483648" r:id="rId1"/>
   </p:sldMasterIdLst>
   <p:notesMasterIdLst>
-    <p:notesMasterId r:id="rId12"/>
+    <p:notesMasterId r:id="rId14"/>
   </p:notesMasterIdLst>
   <p:sldIdLst>
     <p:sldId id="257" r:id="rId2"/>
@@ -16,8 +16,10 @@
     <p:sldId id="300" r:id="rId7"/>
     <p:sldId id="301" r:id="rId8"/>
     <p:sldId id="302" r:id="rId9"/>
-    <p:sldId id="303" r:id="rId10"/>
-    <p:sldId id="304" r:id="rId11"/>
+    <p:sldId id="306" r:id="rId10"/>
+    <p:sldId id="303" r:id="rId11"/>
+    <p:sldId id="304" r:id="rId12"/>
+    <p:sldId id="305" r:id="rId13"/>
   </p:sldIdLst>
   <p:sldSz cx="12192000" cy="6858000"/>
   <p:notesSz cx="6858000" cy="9144000"/>
@@ -206,7 +208,7 @@
           <a:p>
             <a:fld id="{BF5FD556-2BC1-4B40-9D52-68B9F39CBE38}" type="datetimeFigureOut">
               <a:rPr lang="zh-CN" altLang="en-US" smtClean="0"/>
-              <a:t>2019/5/13</a:t>
+              <a:t>2019/5/16</a:t>
             </a:fld>
             <a:endParaRPr lang="zh-CN" altLang="en-US"/>
           </a:p>
@@ -851,7 +853,298 @@
           <a:bodyPr/>
           <a:lstStyle/>
           <a:p>
-            <a:endParaRPr lang="zh-CN" altLang="en-US" dirty="0"/>
+            <a:r>
+              <a:rPr lang="zh-CN" altLang="en-US" dirty="0"/>
+              <a:t> 这里的</a:t>
+            </a:r>
+            <a:r>
+              <a:rPr lang="en-US" altLang="zh-CN" dirty="0"/>
+              <a:t>$Z$</a:t>
+            </a:r>
+            <a:r>
+              <a:rPr lang="zh-CN" altLang="en-US" dirty="0"/>
+              <a:t>和</a:t>
+            </a:r>
+            <a:r>
+              <a:rPr lang="en-US" altLang="zh-CN" dirty="0"/>
+              <a:t>$L$</a:t>
+            </a:r>
+            <a:r>
+              <a:rPr lang="zh-CN" altLang="en-US" dirty="0"/>
+              <a:t>是形状和光照的集合，而原始的</a:t>
+            </a:r>
+            <a:r>
+              <a:rPr lang="en-US" altLang="zh-CN" dirty="0"/>
+              <a:t>SIRFS</a:t>
+            </a:r>
+            <a:r>
+              <a:rPr lang="zh-CN" altLang="en-US" dirty="0"/>
+              <a:t>是单个形状和单个光照，另外这里还多了两个东西，一个是</a:t>
+            </a:r>
+            <a:r>
+              <a:rPr lang="en-US" altLang="zh-CN" dirty="0"/>
+              <a:t>$U$</a:t>
+            </a:r>
+            <a:r>
+              <a:rPr lang="zh-CN" altLang="en-US" dirty="0"/>
+              <a:t>，一个是</a:t>
+            </a:r>
+            <a:r>
+              <a:rPr lang="en-US" altLang="zh-CN" dirty="0"/>
+              <a:t>$V$</a:t>
+            </a:r>
+            <a:r>
+              <a:rPr lang="zh-CN" altLang="en-US" dirty="0"/>
+              <a:t>，</a:t>
+            </a:r>
+            <a:r>
+              <a:rPr lang="en-US" altLang="zh-CN" dirty="0"/>
+              <a:t>$U$</a:t>
+            </a:r>
+            <a:r>
+              <a:rPr lang="zh-CN" altLang="en-US" dirty="0"/>
+              <a:t>和</a:t>
+            </a:r>
+            <a:r>
+              <a:rPr lang="en-US" altLang="zh-CN" dirty="0"/>
+              <a:t>$V$</a:t>
+            </a:r>
+            <a:r>
+              <a:rPr lang="zh-CN" altLang="en-US" dirty="0"/>
+              <a:t>分别定义形状和光照的分布。</a:t>
+            </a:r>
+            <a:r>
+              <a:rPr lang="en-US" altLang="zh-CN" dirty="0"/>
+              <a:t>$U$</a:t>
+            </a:r>
+            <a:r>
+              <a:rPr lang="zh-CN" altLang="en-US" dirty="0"/>
+              <a:t>可以看作为可见性地图，如果</a:t>
+            </a:r>
+            <a:r>
+              <a:rPr lang="en-US" altLang="zh-CN" dirty="0"/>
+              <a:t>$U_{</a:t>
+            </a:r>
+            <a:r>
+              <a:rPr lang="en-US" altLang="zh-CN" dirty="0" err="1"/>
+              <a:t>i</a:t>
+            </a:r>
+            <a:r>
+              <a:rPr lang="en-US" altLang="zh-CN" dirty="0"/>
+              <a:t>, j}^{n}$</a:t>
+            </a:r>
+            <a:r>
+              <a:rPr lang="zh-CN" altLang="en-US" dirty="0"/>
+              <a:t>等于</a:t>
+            </a:r>
+            <a:r>
+              <a:rPr lang="en-US" altLang="zh-CN" dirty="0"/>
+              <a:t>1</a:t>
+            </a:r>
+            <a:r>
+              <a:rPr lang="zh-CN" altLang="en-US" dirty="0"/>
+              <a:t>，那么对应的</a:t>
+            </a:r>
+            <a:r>
+              <a:rPr lang="en-US" altLang="zh-CN" dirty="0"/>
+              <a:t>$Z_{</a:t>
+            </a:r>
+            <a:r>
+              <a:rPr lang="en-US" altLang="zh-CN" dirty="0" err="1"/>
+              <a:t>i</a:t>
+            </a:r>
+            <a:r>
+              <a:rPr lang="en-US" altLang="zh-CN" dirty="0"/>
+              <a:t>, j}^{n}$</a:t>
+            </a:r>
+            <a:r>
+              <a:rPr lang="zh-CN" altLang="en-US" dirty="0"/>
+              <a:t>在像素点</a:t>
+            </a:r>
+            <a:r>
+              <a:rPr lang="en-US" altLang="zh-CN" dirty="0"/>
+              <a:t>(</a:t>
+            </a:r>
+            <a:r>
+              <a:rPr lang="en-US" altLang="zh-CN" dirty="0" err="1"/>
+              <a:t>i</a:t>
+            </a:r>
+            <a:r>
+              <a:rPr lang="en-US" altLang="zh-CN" dirty="0"/>
+              <a:t>, j)</a:t>
+            </a:r>
+            <a:r>
+              <a:rPr lang="zh-CN" altLang="en-US" dirty="0"/>
+              <a:t>中就是可见的。</a:t>
+            </a:r>
+            <a:r>
+              <a:rPr lang="en-US" altLang="zh-CN" dirty="0"/>
+              <a:t>$V$</a:t>
+            </a:r>
+            <a:r>
+              <a:rPr lang="zh-CN" altLang="en-US" dirty="0"/>
+              <a:t>可以看作</a:t>
+            </a:r>
+            <a:r>
+              <a:rPr lang="en-US" altLang="zh-CN" dirty="0"/>
+              <a:t>$L$</a:t>
+            </a:r>
+            <a:r>
+              <a:rPr lang="zh-CN" altLang="en-US" dirty="0"/>
+              <a:t>中每个照明的所有权，如果</a:t>
+            </a:r>
+            <a:r>
+              <a:rPr lang="en-US" altLang="zh-CN" dirty="0"/>
+              <a:t>$V_{</a:t>
+            </a:r>
+            <a:r>
+              <a:rPr lang="en-US" altLang="zh-CN" dirty="0" err="1"/>
+              <a:t>i</a:t>
+            </a:r>
+            <a:r>
+              <a:rPr lang="en-US" altLang="zh-CN" dirty="0"/>
+              <a:t>, j}^{m}$</a:t>
+            </a:r>
+            <a:r>
+              <a:rPr lang="zh-CN" altLang="en-US" dirty="0"/>
+              <a:t>等于</a:t>
+            </a:r>
+            <a:r>
+              <a:rPr lang="en-US" altLang="zh-CN" dirty="0"/>
+              <a:t>1</a:t>
+            </a:r>
+            <a:r>
+              <a:rPr lang="zh-CN" altLang="en-US" dirty="0"/>
+              <a:t>，那么则代表像素点</a:t>
+            </a:r>
+            <a:r>
+              <a:rPr lang="en-US" altLang="zh-CN" dirty="0"/>
+              <a:t>(</a:t>
+            </a:r>
+            <a:r>
+              <a:rPr lang="en-US" altLang="zh-CN" dirty="0" err="1"/>
+              <a:t>i</a:t>
+            </a:r>
+            <a:r>
+              <a:rPr lang="en-US" altLang="zh-CN" dirty="0"/>
+              <a:t>, j)</a:t>
+            </a:r>
+            <a:r>
+              <a:rPr lang="zh-CN" altLang="en-US" dirty="0"/>
+              <a:t>被</a:t>
+            </a:r>
+            <a:r>
+              <a:rPr lang="en-US" altLang="zh-CN" dirty="0"/>
+              <a:t>$</a:t>
+            </a:r>
+            <a:r>
+              <a:rPr lang="en-US" altLang="zh-CN" dirty="0" err="1"/>
+              <a:t>L^m</a:t>
+            </a:r>
+            <a:r>
+              <a:rPr lang="en-US" altLang="zh-CN" dirty="0"/>
+              <a:t>$</a:t>
+            </a:r>
+            <a:r>
+              <a:rPr lang="zh-CN" altLang="en-US" dirty="0"/>
+              <a:t>完全照明。在形状上的先验现在是每个正规化独立的单深度图先验的求和。在光照上的先验现在是图像的每个像素的光照加权求和。形状混合概率</a:t>
+            </a:r>
+            <a:r>
+              <a:rPr lang="en-US" altLang="zh-CN" dirty="0"/>
+              <a:t>$U$</a:t>
+            </a:r>
+            <a:r>
+              <a:rPr lang="zh-CN" altLang="en-US" dirty="0"/>
+              <a:t>和光照混合概率</a:t>
+            </a:r>
+            <a:r>
+              <a:rPr lang="en-US" altLang="zh-CN" dirty="0"/>
+              <a:t>$V$</a:t>
+            </a:r>
+            <a:r>
+              <a:rPr lang="zh-CN" altLang="en-US" dirty="0"/>
+              <a:t>是分别被矩阵</a:t>
+            </a:r>
+            <a:r>
+              <a:rPr lang="en-US" altLang="zh-CN" dirty="0"/>
+              <a:t>$\</a:t>
+            </a:r>
+            <a:r>
+              <a:rPr lang="en-US" altLang="zh-CN" dirty="0" err="1"/>
+              <a:t>boldsymbol</a:t>
+            </a:r>
+            <a:r>
+              <a:rPr lang="en-US" altLang="zh-CN" dirty="0"/>
+              <a:t>{\psi}$</a:t>
+            </a:r>
+            <a:r>
+              <a:rPr lang="zh-CN" altLang="en-US" dirty="0"/>
+              <a:t>和</a:t>
+            </a:r>
+            <a:r>
+              <a:rPr lang="en-US" altLang="zh-CN" dirty="0"/>
+              <a:t>$\</a:t>
+            </a:r>
+            <a:r>
+              <a:rPr lang="en-US" altLang="zh-CN" dirty="0" err="1"/>
+              <a:t>boldsymbol</a:t>
+            </a:r>
+            <a:r>
+              <a:rPr lang="en-US" altLang="zh-CN" dirty="0"/>
+              <a:t>{\omega}$</a:t>
+            </a:r>
+            <a:r>
+              <a:rPr lang="zh-CN" altLang="en-US" dirty="0"/>
+              <a:t>权重化，矩阵的每一列是一个</a:t>
+            </a:r>
+            <a:r>
+              <a:rPr lang="en-US" altLang="zh-CN" dirty="0"/>
+              <a:t>17</a:t>
+            </a:r>
+            <a:r>
+              <a:rPr lang="zh-CN" altLang="en-US" dirty="0"/>
+              <a:t>维的向量，代表场景中形状混合和光照混合的所有权。</a:t>
+            </a:r>
+            <a:r>
+              <a:rPr lang="en-US" altLang="zh-CN" dirty="0"/>
+              <a:t>$U$</a:t>
+            </a:r>
+            <a:r>
+              <a:rPr lang="zh-CN" altLang="en-US" dirty="0"/>
+              <a:t>和</a:t>
+            </a:r>
+            <a:r>
+              <a:rPr lang="en-US" altLang="zh-CN" dirty="0"/>
+              <a:t>$V$</a:t>
+            </a:r>
+            <a:r>
+              <a:rPr lang="zh-CN" altLang="en-US" dirty="0"/>
+              <a:t>分别由它的权重矩阵以及</a:t>
+            </a:r>
+            <a:r>
+              <a:rPr lang="en-US" altLang="zh-CN" dirty="0"/>
+              <a:t>B</a:t>
+            </a:r>
+            <a:r>
+              <a:rPr lang="zh-CN" altLang="en-US" dirty="0"/>
+              <a:t>（</a:t>
+            </a:r>
+            <a:r>
+              <a:rPr lang="en-US" altLang="zh-CN" dirty="0"/>
+              <a:t>RGB</a:t>
+            </a:r>
+            <a:r>
+              <a:rPr lang="zh-CN" altLang="en-US" dirty="0"/>
+              <a:t>图像的归一化拉普拉斯特征向量）点乘，然后通过一个</a:t>
+            </a:r>
+            <a:r>
+              <a:rPr lang="en-US" altLang="zh-CN" dirty="0" err="1"/>
+              <a:t>softmax</a:t>
+            </a:r>
+            <a:r>
+              <a:rPr lang="zh-CN" altLang="en-US" dirty="0"/>
+              <a:t>函数得出。</a:t>
+            </a:r>
           </a:p>
         </p:txBody>
       </p:sp>
@@ -882,6 +1175,780 @@
     <p:extLst>
       <p:ext uri="{BB962C8B-B14F-4D97-AF65-F5344CB8AC3E}">
         <p14:creationId xmlns:p14="http://schemas.microsoft.com/office/powerpoint/2010/main" val="2694754454"/>
+      </p:ext>
+    </p:extLst>
+  </p:cSld>
+  <p:clrMapOvr>
+    <a:masterClrMapping/>
+  </p:clrMapOvr>
+</p:notes>
+</file>
+
+<file path=ppt/notesSlides/notesSlide4.xml><?xml version="1.0" encoding="utf-8"?>
+<p:notes xmlns:a="http://schemas.openxmlformats.org/drawingml/2006/main" xmlns:r="http://schemas.openxmlformats.org/officeDocument/2006/relationships" xmlns:p="http://schemas.openxmlformats.org/presentationml/2006/main">
+  <p:cSld>
+    <p:spTree>
+      <p:nvGrpSpPr>
+        <p:cNvPr id="1" name=""/>
+        <p:cNvGrpSpPr/>
+        <p:nvPr/>
+      </p:nvGrpSpPr>
+      <p:grpSpPr>
+        <a:xfrm>
+          <a:off x="0" y="0"/>
+          <a:ext cx="0" cy="0"/>
+          <a:chOff x="0" y="0"/>
+          <a:chExt cx="0" cy="0"/>
+        </a:xfrm>
+      </p:grpSpPr>
+      <p:sp>
+        <p:nvSpPr>
+          <p:cNvPr id="2" name="幻灯片图像占位符 1"/>
+          <p:cNvSpPr>
+            <a:spLocks noGrp="1" noRot="1" noChangeAspect="1"/>
+          </p:cNvSpPr>
+          <p:nvPr>
+            <p:ph type="sldImg"/>
+          </p:nvPr>
+        </p:nvSpPr>
+        <p:spPr/>
+      </p:sp>
+      <p:sp>
+        <p:nvSpPr>
+          <p:cNvPr id="3" name="备注占位符 2"/>
+          <p:cNvSpPr>
+            <a:spLocks noGrp="1"/>
+          </p:cNvSpPr>
+          <p:nvPr>
+            <p:ph type="body" idx="1"/>
+          </p:nvPr>
+        </p:nvSpPr>
+        <p:spPr/>
+        <p:txBody>
+          <a:bodyPr/>
+          <a:lstStyle/>
+          <a:p>
+            <a:r>
+              <a:rPr lang="zh-CN" altLang="en-US" dirty="0"/>
+              <a:t>为了能进行优化，还需要定义这个混合形状的法线场</a:t>
+            </a:r>
+            <a:r>
+              <a:rPr lang="en-US" altLang="zh-CN" dirty="0"/>
+              <a:t>$N^{\prime}(Z, \</a:t>
+            </a:r>
+            <a:r>
+              <a:rPr lang="en-US" altLang="zh-CN" dirty="0" err="1"/>
+              <a:t>boldsymbol</a:t>
+            </a:r>
+            <a:r>
+              <a:rPr lang="en-US" altLang="zh-CN" dirty="0"/>
+              <a:t>{U})$</a:t>
+            </a:r>
+            <a:r>
+              <a:rPr lang="zh-CN" altLang="en-US" dirty="0"/>
+              <a:t>，将把每个</a:t>
+            </a:r>
+            <a:r>
+              <a:rPr lang="en-US" altLang="zh-CN" dirty="0"/>
+              <a:t>$</a:t>
+            </a:r>
+            <a:r>
+              <a:rPr lang="en-US" altLang="zh-CN" dirty="0" err="1"/>
+              <a:t>Z^n</a:t>
+            </a:r>
+            <a:r>
+              <a:rPr lang="en-US" altLang="zh-CN" dirty="0"/>
+              <a:t>$</a:t>
+            </a:r>
+            <a:r>
+              <a:rPr lang="zh-CN" altLang="en-US" dirty="0"/>
+              <a:t>线性化为</a:t>
+            </a:r>
+            <a:r>
+              <a:rPr lang="en-US" altLang="zh-CN" dirty="0"/>
+              <a:t>x</a:t>
+            </a:r>
+            <a:r>
+              <a:rPr lang="zh-CN" altLang="en-US" dirty="0"/>
+              <a:t>和</a:t>
+            </a:r>
+            <a:r>
+              <a:rPr lang="en-US" altLang="zh-CN" dirty="0"/>
+              <a:t>y</a:t>
+            </a:r>
+            <a:r>
+              <a:rPr lang="zh-CN" altLang="en-US" dirty="0"/>
+              <a:t>中的一组偏导数，取那些对</a:t>
+            </a:r>
+            <a:r>
+              <a:rPr lang="en-US" altLang="zh-CN" dirty="0"/>
+              <a:t>U</a:t>
+            </a:r>
+            <a:r>
+              <a:rPr lang="zh-CN" altLang="en-US" dirty="0"/>
+              <a:t>的期望，然后从那些期望的偏导数中构造一个正规场</a:t>
+            </a:r>
+          </a:p>
+        </p:txBody>
+      </p:sp>
+      <p:sp>
+        <p:nvSpPr>
+          <p:cNvPr id="4" name="灯片编号占位符 3"/>
+          <p:cNvSpPr>
+            <a:spLocks noGrp="1"/>
+          </p:cNvSpPr>
+          <p:nvPr>
+            <p:ph type="sldNum" sz="quarter" idx="5"/>
+          </p:nvPr>
+        </p:nvSpPr>
+        <p:spPr/>
+        <p:txBody>
+          <a:bodyPr/>
+          <a:lstStyle/>
+          <a:p>
+            <a:fld id="{BEF9B6F0-F441-4C68-93FB-5950D68565DD}" type="slidenum">
+              <a:rPr lang="zh-CN" altLang="en-US" smtClean="0"/>
+              <a:t>8</a:t>
+            </a:fld>
+            <a:endParaRPr lang="zh-CN" altLang="en-US"/>
+          </a:p>
+        </p:txBody>
+      </p:sp>
+    </p:spTree>
+    <p:extLst>
+      <p:ext uri="{BB962C8B-B14F-4D97-AF65-F5344CB8AC3E}">
+        <p14:creationId xmlns:p14="http://schemas.microsoft.com/office/powerpoint/2010/main" val="1448024965"/>
+      </p:ext>
+    </p:extLst>
+  </p:cSld>
+  <p:clrMapOvr>
+    <a:masterClrMapping/>
+  </p:clrMapOvr>
+</p:notes>
+</file>
+
+<file path=ppt/notesSlides/notesSlide5.xml><?xml version="1.0" encoding="utf-8"?>
+<p:notes xmlns:a="http://schemas.openxmlformats.org/drawingml/2006/main" xmlns:r="http://schemas.openxmlformats.org/officeDocument/2006/relationships" xmlns:p="http://schemas.openxmlformats.org/presentationml/2006/main">
+  <p:cSld>
+    <p:spTree>
+      <p:nvGrpSpPr>
+        <p:cNvPr id="1" name=""/>
+        <p:cNvGrpSpPr/>
+        <p:nvPr/>
+      </p:nvGrpSpPr>
+      <p:grpSpPr>
+        <a:xfrm>
+          <a:off x="0" y="0"/>
+          <a:ext cx="0" cy="0"/>
+          <a:chOff x="0" y="0"/>
+          <a:chExt cx="0" cy="0"/>
+        </a:xfrm>
+      </p:grpSpPr>
+      <p:sp>
+        <p:nvSpPr>
+          <p:cNvPr id="2" name="幻灯片图像占位符 1"/>
+          <p:cNvSpPr>
+            <a:spLocks noGrp="1" noRot="1" noChangeAspect="1"/>
+          </p:cNvSpPr>
+          <p:nvPr>
+            <p:ph type="sldImg"/>
+          </p:nvPr>
+        </p:nvSpPr>
+        <p:spPr/>
+      </p:sp>
+      <p:sp>
+        <p:nvSpPr>
+          <p:cNvPr id="3" name="备注占位符 2"/>
+          <p:cNvSpPr>
+            <a:spLocks noGrp="1"/>
+          </p:cNvSpPr>
+          <p:nvPr>
+            <p:ph type="body" idx="1"/>
+          </p:nvPr>
+        </p:nvSpPr>
+        <p:spPr/>
+        <p:txBody>
+          <a:bodyPr/>
+          <a:lstStyle/>
+          <a:p>
+            <a:endParaRPr lang="en-US" altLang="zh-CN" dirty="0"/>
+          </a:p>
+          <a:p>
+            <a:r>
+              <a:rPr lang="zh-CN" altLang="en-US" dirty="0"/>
+              <a:t>给定一个图像，首先我们计算该图像的多尺度</a:t>
+            </a:r>
+            <a:r>
+              <a:rPr lang="en-US" altLang="zh-CN" dirty="0"/>
+              <a:t>$Pb$</a:t>
+            </a:r>
+            <a:r>
+              <a:rPr lang="zh-CN" altLang="en-US" dirty="0"/>
+              <a:t>。然后利用中间轮廓线索从</a:t>
+            </a:r>
+            <a:r>
+              <a:rPr lang="en-US" altLang="zh-CN" dirty="0" err="1"/>
+              <a:t>mPb</a:t>
+            </a:r>
+            <a:r>
+              <a:rPr lang="zh-CN" altLang="en-US" dirty="0"/>
+              <a:t>中生成一个亲和矩阵，计算出对应于最小特征值的</a:t>
+            </a:r>
+            <a:r>
+              <a:rPr lang="en-US" altLang="zh-CN" dirty="0"/>
+              <a:t>17</a:t>
+            </a:r>
+            <a:r>
+              <a:rPr lang="zh-CN" altLang="en-US" dirty="0"/>
+              <a:t>个特征向量</a:t>
+            </a:r>
+            <a:r>
+              <a:rPr lang="en-US" altLang="zh-CN" dirty="0"/>
+              <a:t>$\left\{\</a:t>
+            </a:r>
+            <a:r>
+              <a:rPr lang="en-US" altLang="zh-CN" dirty="0" err="1"/>
+              <a:t>mathbf</a:t>
+            </a:r>
+            <a:r>
+              <a:rPr lang="en-US" altLang="zh-CN" dirty="0"/>
+              <a:t>{u}_{</a:t>
+            </a:r>
+            <a:r>
+              <a:rPr lang="en-US" altLang="zh-CN" dirty="0" err="1"/>
+              <a:t>i</a:t>
+            </a:r>
+            <a:r>
+              <a:rPr lang="en-US" altLang="zh-CN" dirty="0"/>
+              <a:t>}\right\}$</a:t>
+            </a:r>
+            <a:r>
+              <a:rPr lang="zh-CN" altLang="en-US" dirty="0"/>
+              <a:t>。对于特征向量</a:t>
+            </a:r>
+            <a:r>
+              <a:rPr lang="en-US" altLang="zh-CN" dirty="0"/>
+              <a:t>2</a:t>
+            </a:r>
+            <a:r>
+              <a:rPr lang="zh-CN" altLang="en-US" dirty="0"/>
+              <a:t>到</a:t>
+            </a:r>
+            <a:r>
+              <a:rPr lang="en-US" altLang="zh-CN" dirty="0"/>
+              <a:t>17</a:t>
+            </a:r>
+            <a:r>
+              <a:rPr lang="zh-CN" altLang="en-US" dirty="0"/>
+              <a:t>，我们从每个</a:t>
+            </a:r>
+            <a:r>
+              <a:rPr lang="en-US" altLang="zh-CN" dirty="0"/>
+              <a:t>$\</a:t>
+            </a:r>
+            <a:r>
+              <a:rPr lang="en-US" altLang="zh-CN" dirty="0" err="1"/>
+              <a:t>mathbf</a:t>
+            </a:r>
+            <a:r>
+              <a:rPr lang="en-US" altLang="zh-CN" dirty="0"/>
+              <a:t>{u}_{</a:t>
+            </a:r>
+            <a:r>
+              <a:rPr lang="en-US" altLang="zh-CN" dirty="0" err="1"/>
+              <a:t>i</a:t>
+            </a:r>
+            <a:r>
+              <a:rPr lang="en-US" altLang="zh-CN" dirty="0"/>
+              <a:t>}$</a:t>
+            </a:r>
+            <a:r>
+              <a:rPr lang="zh-CN" altLang="en-US" dirty="0"/>
+              <a:t>中减去均值并除以它的标准差，然后将这些标准化特征向量连接到一个矩阵</a:t>
+            </a:r>
+            <a:r>
+              <a:rPr lang="en-US" altLang="zh-CN" dirty="0"/>
+              <a:t>B</a:t>
+            </a:r>
+            <a:r>
+              <a:rPr lang="zh-CN" altLang="en-US" dirty="0"/>
+              <a:t>中，每个像素一列。</a:t>
+            </a:r>
+            <a:r>
+              <a:rPr lang="en-US" altLang="zh-CN" dirty="0"/>
+              <a:t>B</a:t>
+            </a:r>
+            <a:r>
+              <a:rPr lang="zh-CN" altLang="en-US" dirty="0"/>
+              <a:t>是嵌入空间，其中每个混合分量由一个</a:t>
+            </a:r>
+            <a:r>
+              <a:rPr lang="en-US" altLang="zh-CN" dirty="0"/>
+              <a:t>17</a:t>
+            </a:r>
+            <a:r>
+              <a:rPr lang="zh-CN" altLang="en-US" dirty="0"/>
+              <a:t>维向量定义，向量与</a:t>
+            </a:r>
+            <a:r>
+              <a:rPr lang="en-US" altLang="zh-CN" dirty="0"/>
+              <a:t>B</a:t>
+            </a:r>
+            <a:r>
+              <a:rPr lang="zh-CN" altLang="en-US" dirty="0"/>
+              <a:t>的内积定义了混合分量在输入图像的每个像素处的优势程度。下图就是嵌入的可视化。</a:t>
+            </a:r>
+          </a:p>
+        </p:txBody>
+      </p:sp>
+      <p:sp>
+        <p:nvSpPr>
+          <p:cNvPr id="4" name="灯片编号占位符 3"/>
+          <p:cNvSpPr>
+            <a:spLocks noGrp="1"/>
+          </p:cNvSpPr>
+          <p:nvPr>
+            <p:ph type="sldNum" sz="quarter" idx="5"/>
+          </p:nvPr>
+        </p:nvSpPr>
+        <p:spPr/>
+        <p:txBody>
+          <a:bodyPr/>
+          <a:lstStyle/>
+          <a:p>
+            <a:fld id="{BEF9B6F0-F441-4C68-93FB-5950D68565DD}" type="slidenum">
+              <a:rPr lang="zh-CN" altLang="en-US" smtClean="0"/>
+              <a:t>9</a:t>
+            </a:fld>
+            <a:endParaRPr lang="zh-CN" altLang="en-US"/>
+          </a:p>
+        </p:txBody>
+      </p:sp>
+    </p:spTree>
+    <p:extLst>
+      <p:ext uri="{BB962C8B-B14F-4D97-AF65-F5344CB8AC3E}">
+        <p14:creationId xmlns:p14="http://schemas.microsoft.com/office/powerpoint/2010/main" val="3246466147"/>
+      </p:ext>
+    </p:extLst>
+  </p:cSld>
+  <p:clrMapOvr>
+    <a:masterClrMapping/>
+  </p:clrMapOvr>
+</p:notes>
+</file>
+
+<file path=ppt/notesSlides/notesSlide6.xml><?xml version="1.0" encoding="utf-8"?>
+<p:notes xmlns:a="http://schemas.openxmlformats.org/drawingml/2006/main" xmlns:r="http://schemas.openxmlformats.org/officeDocument/2006/relationships" xmlns:p="http://schemas.openxmlformats.org/presentationml/2006/main">
+  <p:cSld>
+    <p:spTree>
+      <p:nvGrpSpPr>
+        <p:cNvPr id="1" name=""/>
+        <p:cNvGrpSpPr/>
+        <p:nvPr/>
+      </p:nvGrpSpPr>
+      <p:grpSpPr>
+        <a:xfrm>
+          <a:off x="0" y="0"/>
+          <a:ext cx="0" cy="0"/>
+          <a:chOff x="0" y="0"/>
+          <a:chExt cx="0" cy="0"/>
+        </a:xfrm>
+      </p:grpSpPr>
+      <p:sp>
+        <p:nvSpPr>
+          <p:cNvPr id="2" name="幻灯片图像占位符 1"/>
+          <p:cNvSpPr>
+            <a:spLocks noGrp="1" noRot="1" noChangeAspect="1"/>
+          </p:cNvSpPr>
+          <p:nvPr>
+            <p:ph type="sldImg"/>
+          </p:nvPr>
+        </p:nvSpPr>
+        <p:spPr/>
+      </p:sp>
+      <p:sp>
+        <p:nvSpPr>
+          <p:cNvPr id="3" name="备注占位符 2"/>
+          <p:cNvSpPr>
+            <a:spLocks noGrp="1"/>
+          </p:cNvSpPr>
+          <p:nvPr>
+            <p:ph type="body" idx="1"/>
+          </p:nvPr>
+        </p:nvSpPr>
+        <p:spPr/>
+        <p:txBody>
+          <a:bodyPr/>
+          <a:lstStyle/>
+          <a:p>
+            <a:r>
+              <a:rPr lang="en-US" altLang="zh-CN" dirty="0"/>
+              <a:t>$f_{\kappa}(Z)$</a:t>
+            </a:r>
+            <a:r>
+              <a:rPr lang="zh-CN" altLang="en-US" dirty="0"/>
+              <a:t>是最小化</a:t>
+            </a:r>
+            <a:r>
+              <a:rPr lang="en-US" altLang="zh-CN" dirty="0"/>
+              <a:t>Z</a:t>
+            </a:r>
+            <a:r>
+              <a:rPr lang="zh-CN" altLang="en-US" dirty="0"/>
+              <a:t>的平均曲率的局部变化，</a:t>
+            </a:r>
+            <a:r>
+              <a:rPr lang="en-US" altLang="zh-CN" dirty="0"/>
+              <a:t>$f_{f}(Z)$</a:t>
+            </a:r>
+            <a:r>
+              <a:rPr lang="zh-CN" altLang="en-US" dirty="0"/>
+              <a:t>则是最小化</a:t>
+            </a:r>
+            <a:r>
+              <a:rPr lang="en-US" altLang="zh-CN" dirty="0"/>
+              <a:t>Z</a:t>
+            </a:r>
+            <a:r>
+              <a:rPr lang="zh-CN" altLang="en-US" dirty="0"/>
+              <a:t>的斜率，鼓励</a:t>
+            </a:r>
+            <a:r>
+              <a:rPr lang="en-US" altLang="zh-CN" dirty="0"/>
+              <a:t>Z</a:t>
+            </a:r>
+            <a:r>
+              <a:rPr lang="zh-CN" altLang="en-US" dirty="0"/>
+              <a:t>正面平行。这两项是之前就有的，第三项是新的，如果</a:t>
+            </a:r>
+            <a:r>
+              <a:rPr lang="en-US" altLang="zh-CN" dirty="0"/>
+              <a:t>Z</a:t>
+            </a:r>
+            <a:r>
+              <a:rPr lang="zh-CN" altLang="en-US" dirty="0"/>
+              <a:t>被认为是“可见的”，则鼓励</a:t>
+            </a:r>
+            <a:r>
+              <a:rPr lang="en-US" altLang="zh-CN" dirty="0"/>
+              <a:t>Z</a:t>
+            </a:r>
+            <a:r>
+              <a:rPr lang="zh-CN" altLang="en-US" dirty="0"/>
+              <a:t>类似于原始的传感器深度图，将此方法应用于混合物中的每个单独深度图，而不是某个平均深度图。这鼓励场景的组成深度图是平滑的，同时允许混合物所暗示的预期深度图突然变化，从而允许我们建模深度不连续和遮挡。</a:t>
+            </a:r>
+            <a:endParaRPr lang="en-US" altLang="zh-CN" dirty="0"/>
+          </a:p>
+          <a:p>
+            <a:endParaRPr lang="en-US" altLang="zh-CN" dirty="0"/>
+          </a:p>
+          <a:p>
+            <a:r>
+              <a:rPr lang="zh-CN" altLang="en-US" sz="1200" b="0" i="0" kern="1200" dirty="0">
+                <a:solidFill>
+                  <a:schemeClr val="tx1"/>
+                </a:solidFill>
+                <a:effectLst/>
+                <a:latin typeface="+mn-lt"/>
+                <a:ea typeface="+mn-ea"/>
+                <a:cs typeface="+mn-cs"/>
+              </a:rPr>
+              <a:t>量化对应于​的视差来近似误差的上界。</a:t>
+            </a:r>
+            <a:endParaRPr lang="zh-CN" altLang="en-US" dirty="0"/>
+          </a:p>
+        </p:txBody>
+      </p:sp>
+      <p:sp>
+        <p:nvSpPr>
+          <p:cNvPr id="4" name="灯片编号占位符 3"/>
+          <p:cNvSpPr>
+            <a:spLocks noGrp="1"/>
+          </p:cNvSpPr>
+          <p:nvPr>
+            <p:ph type="sldNum" sz="quarter" idx="5"/>
+          </p:nvPr>
+        </p:nvSpPr>
+        <p:spPr/>
+        <p:txBody>
+          <a:bodyPr/>
+          <a:lstStyle/>
+          <a:p>
+            <a:fld id="{BEF9B6F0-F441-4C68-93FB-5950D68565DD}" type="slidenum">
+              <a:rPr lang="zh-CN" altLang="en-US" smtClean="0"/>
+              <a:t>10</a:t>
+            </a:fld>
+            <a:endParaRPr lang="zh-CN" altLang="en-US"/>
+          </a:p>
+        </p:txBody>
+      </p:sp>
+    </p:spTree>
+    <p:extLst>
+      <p:ext uri="{BB962C8B-B14F-4D97-AF65-F5344CB8AC3E}">
+        <p14:creationId xmlns:p14="http://schemas.microsoft.com/office/powerpoint/2010/main" val="3880946362"/>
+      </p:ext>
+    </p:extLst>
+  </p:cSld>
+  <p:clrMapOvr>
+    <a:masterClrMapping/>
+  </p:clrMapOvr>
+</p:notes>
+</file>
+
+<file path=ppt/notesSlides/notesSlide7.xml><?xml version="1.0" encoding="utf-8"?>
+<p:notes xmlns:a="http://schemas.openxmlformats.org/drawingml/2006/main" xmlns:r="http://schemas.openxmlformats.org/officeDocument/2006/relationships" xmlns:p="http://schemas.openxmlformats.org/presentationml/2006/main">
+  <p:cSld>
+    <p:spTree>
+      <p:nvGrpSpPr>
+        <p:cNvPr id="1" name=""/>
+        <p:cNvGrpSpPr/>
+        <p:nvPr/>
+      </p:nvGrpSpPr>
+      <p:grpSpPr>
+        <a:xfrm>
+          <a:off x="0" y="0"/>
+          <a:ext cx="0" cy="0"/>
+          <a:chOff x="0" y="0"/>
+          <a:chExt cx="0" cy="0"/>
+        </a:xfrm>
+      </p:grpSpPr>
+      <p:sp>
+        <p:nvSpPr>
+          <p:cNvPr id="2" name="幻灯片图像占位符 1"/>
+          <p:cNvSpPr>
+            <a:spLocks noGrp="1" noRot="1" noChangeAspect="1"/>
+          </p:cNvSpPr>
+          <p:nvPr>
+            <p:ph type="sldImg"/>
+          </p:nvPr>
+        </p:nvSpPr>
+        <p:spPr/>
+      </p:sp>
+      <p:sp>
+        <p:nvSpPr>
+          <p:cNvPr id="3" name="备注占位符 2"/>
+          <p:cNvSpPr>
+            <a:spLocks noGrp="1"/>
+          </p:cNvSpPr>
+          <p:nvPr>
+            <p:ph type="body" idx="1"/>
+          </p:nvPr>
+        </p:nvSpPr>
+        <p:spPr/>
+        <p:txBody>
+          <a:bodyPr/>
+          <a:lstStyle/>
+          <a:p>
+            <a:r>
+              <a:rPr lang="zh-CN" altLang="en-US" sz="1200" b="0" i="0" kern="1200" dirty="0">
+                <a:solidFill>
+                  <a:schemeClr val="tx1"/>
+                </a:solidFill>
+                <a:effectLst/>
+                <a:latin typeface="+mn-lt"/>
+                <a:ea typeface="+mn-ea"/>
+                <a:cs typeface="+mn-cs"/>
+              </a:rPr>
+              <a:t>光照先验是</a:t>
+            </a:r>
+            <a:r>
+              <a:rPr lang="en-US" altLang="zh-CN" sz="1200" b="0" i="0" kern="1200" dirty="0">
+                <a:solidFill>
+                  <a:schemeClr val="tx1"/>
+                </a:solidFill>
+                <a:effectLst/>
+                <a:latin typeface="+mn-lt"/>
+                <a:ea typeface="+mn-ea"/>
+                <a:cs typeface="+mn-cs"/>
+              </a:rPr>
+              <a:t>SIRFS</a:t>
+            </a:r>
+            <a:r>
+              <a:rPr lang="zh-CN" altLang="en-US" sz="1200" b="0" i="0" kern="1200" dirty="0">
+                <a:solidFill>
+                  <a:schemeClr val="tx1"/>
+                </a:solidFill>
+                <a:effectLst/>
+                <a:latin typeface="+mn-lt"/>
+                <a:ea typeface="+mn-ea"/>
+                <a:cs typeface="+mn-cs"/>
+              </a:rPr>
+              <a:t>的简单扩展，做法是把一组光照的期望正则化。给定</a:t>
+            </a:r>
+            <a:r>
+              <a:rPr lang="en-US" altLang="zh-CN" sz="1200" b="0" i="0" kern="1200" dirty="0">
+                <a:solidFill>
+                  <a:schemeClr val="tx1"/>
+                </a:solidFill>
+                <a:effectLst/>
+                <a:latin typeface="+mn-lt"/>
+                <a:ea typeface="+mn-ea"/>
+                <a:cs typeface="+mn-cs"/>
+              </a:rPr>
+              <a:t>L</a:t>
+            </a:r>
+            <a:r>
+              <a:rPr lang="zh-CN" altLang="en-US" sz="1200" b="0" i="0" kern="1200" dirty="0">
+                <a:solidFill>
+                  <a:schemeClr val="tx1"/>
+                </a:solidFill>
+                <a:effectLst/>
+                <a:latin typeface="+mn-lt"/>
+                <a:ea typeface="+mn-ea"/>
+                <a:cs typeface="+mn-cs"/>
+              </a:rPr>
+              <a:t>和</a:t>
+            </a:r>
+            <a:r>
+              <a:rPr lang="en-US" altLang="zh-CN" sz="1200" b="0" i="0" kern="1200" dirty="0">
+                <a:solidFill>
+                  <a:schemeClr val="tx1"/>
+                </a:solidFill>
+                <a:effectLst/>
+                <a:latin typeface="+mn-lt"/>
+                <a:ea typeface="+mn-ea"/>
+                <a:cs typeface="+mn-cs"/>
+              </a:rPr>
+              <a:t>V</a:t>
+            </a:r>
+            <a:r>
+              <a:rPr lang="zh-CN" altLang="en-US" sz="1200" b="0" i="0" kern="1200" dirty="0">
+                <a:solidFill>
+                  <a:schemeClr val="tx1"/>
+                </a:solidFill>
+                <a:effectLst/>
+                <a:latin typeface="+mn-lt"/>
+                <a:ea typeface="+mn-ea"/>
+                <a:cs typeface="+mn-cs"/>
+              </a:rPr>
+              <a:t>，计算模型在图像各像素处的期望</a:t>
+            </a:r>
+            <a:endParaRPr lang="zh-CN" altLang="en-US" dirty="0"/>
+          </a:p>
+        </p:txBody>
+      </p:sp>
+      <p:sp>
+        <p:nvSpPr>
+          <p:cNvPr id="4" name="灯片编号占位符 3"/>
+          <p:cNvSpPr>
+            <a:spLocks noGrp="1"/>
+          </p:cNvSpPr>
+          <p:nvPr>
+            <p:ph type="sldNum" sz="quarter" idx="5"/>
+          </p:nvPr>
+        </p:nvSpPr>
+        <p:spPr/>
+        <p:txBody>
+          <a:bodyPr/>
+          <a:lstStyle/>
+          <a:p>
+            <a:fld id="{BEF9B6F0-F441-4C68-93FB-5950D68565DD}" type="slidenum">
+              <a:rPr lang="zh-CN" altLang="en-US" smtClean="0"/>
+              <a:t>11</a:t>
+            </a:fld>
+            <a:endParaRPr lang="zh-CN" altLang="en-US"/>
+          </a:p>
+        </p:txBody>
+      </p:sp>
+    </p:spTree>
+    <p:extLst>
+      <p:ext uri="{BB962C8B-B14F-4D97-AF65-F5344CB8AC3E}">
+        <p14:creationId xmlns:p14="http://schemas.microsoft.com/office/powerpoint/2010/main" val="227190277"/>
+      </p:ext>
+    </p:extLst>
+  </p:cSld>
+  <p:clrMapOvr>
+    <a:masterClrMapping/>
+  </p:clrMapOvr>
+</p:notes>
+</file>
+
+<file path=ppt/notesSlides/notesSlide8.xml><?xml version="1.0" encoding="utf-8"?>
+<p:notes xmlns:a="http://schemas.openxmlformats.org/drawingml/2006/main" xmlns:r="http://schemas.openxmlformats.org/officeDocument/2006/relationships" xmlns:p="http://schemas.openxmlformats.org/presentationml/2006/main">
+  <p:cSld>
+    <p:spTree>
+      <p:nvGrpSpPr>
+        <p:cNvPr id="1" name=""/>
+        <p:cNvGrpSpPr/>
+        <p:nvPr/>
+      </p:nvGrpSpPr>
+      <p:grpSpPr>
+        <a:xfrm>
+          <a:off x="0" y="0"/>
+          <a:ext cx="0" cy="0"/>
+          <a:chOff x="0" y="0"/>
+          <a:chExt cx="0" cy="0"/>
+        </a:xfrm>
+      </p:grpSpPr>
+      <p:sp>
+        <p:nvSpPr>
+          <p:cNvPr id="2" name="幻灯片图像占位符 1"/>
+          <p:cNvSpPr>
+            <a:spLocks noGrp="1" noRot="1" noChangeAspect="1"/>
+          </p:cNvSpPr>
+          <p:nvPr>
+            <p:ph type="sldImg"/>
+          </p:nvPr>
+        </p:nvSpPr>
+        <p:spPr/>
+      </p:sp>
+      <p:sp>
+        <p:nvSpPr>
+          <p:cNvPr id="3" name="备注占位符 2"/>
+          <p:cNvSpPr>
+            <a:spLocks noGrp="1"/>
+          </p:cNvSpPr>
+          <p:nvPr>
+            <p:ph type="body" idx="1"/>
+          </p:nvPr>
+        </p:nvSpPr>
+        <p:spPr/>
+        <p:txBody>
+          <a:bodyPr/>
+          <a:lstStyle/>
+          <a:p>
+            <a:r>
+              <a:rPr lang="en-US" altLang="zh-CN" sz="1200" b="0" i="0" u="none" strike="noStrike" kern="1200" baseline="0" dirty="0">
+                <a:solidFill>
+                  <a:schemeClr val="tx1"/>
+                </a:solidFill>
+                <a:latin typeface="+mn-lt"/>
+                <a:ea typeface="+mn-ea"/>
+                <a:cs typeface="+mn-cs"/>
+              </a:rPr>
+              <a:t>pseudo-synthetic dataset</a:t>
+            </a:r>
+            <a:endParaRPr lang="zh-CN" altLang="en-US" dirty="0"/>
+          </a:p>
+        </p:txBody>
+      </p:sp>
+      <p:sp>
+        <p:nvSpPr>
+          <p:cNvPr id="4" name="灯片编号占位符 3"/>
+          <p:cNvSpPr>
+            <a:spLocks noGrp="1"/>
+          </p:cNvSpPr>
+          <p:nvPr>
+            <p:ph type="sldNum" sz="quarter" idx="5"/>
+          </p:nvPr>
+        </p:nvSpPr>
+        <p:spPr/>
+        <p:txBody>
+          <a:bodyPr/>
+          <a:lstStyle/>
+          <a:p>
+            <a:fld id="{BEF9B6F0-F441-4C68-93FB-5950D68565DD}" type="slidenum">
+              <a:rPr lang="zh-CN" altLang="en-US" smtClean="0"/>
+              <a:t>12</a:t>
+            </a:fld>
+            <a:endParaRPr lang="zh-CN" altLang="en-US"/>
+          </a:p>
+        </p:txBody>
+      </p:sp>
+    </p:spTree>
+    <p:extLst>
+      <p:ext uri="{BB962C8B-B14F-4D97-AF65-F5344CB8AC3E}">
+        <p14:creationId xmlns:p14="http://schemas.microsoft.com/office/powerpoint/2010/main" val="1737612701"/>
       </p:ext>
     </p:extLst>
   </p:cSld>
@@ -1038,7 +2105,7 @@
           <a:p>
             <a:fld id="{2A26E8DA-4B4F-4F2A-9FF5-B3515066D005}" type="datetimeFigureOut">
               <a:rPr lang="zh-CN" altLang="en-US" smtClean="0"/>
-              <a:t>2019/5/13</a:t>
+              <a:t>2019/5/16</a:t>
             </a:fld>
             <a:endParaRPr lang="zh-CN" altLang="en-US"/>
           </a:p>
@@ -1236,7 +2303,7 @@
           <a:p>
             <a:fld id="{2A26E8DA-4B4F-4F2A-9FF5-B3515066D005}" type="datetimeFigureOut">
               <a:rPr lang="zh-CN" altLang="en-US" smtClean="0"/>
-              <a:t>2019/5/13</a:t>
+              <a:t>2019/5/16</a:t>
             </a:fld>
             <a:endParaRPr lang="zh-CN" altLang="en-US"/>
           </a:p>
@@ -1444,7 +2511,7 @@
           <a:p>
             <a:fld id="{2A26E8DA-4B4F-4F2A-9FF5-B3515066D005}" type="datetimeFigureOut">
               <a:rPr lang="zh-CN" altLang="en-US" smtClean="0"/>
-              <a:t>2019/5/13</a:t>
+              <a:t>2019/5/16</a:t>
             </a:fld>
             <a:endParaRPr lang="zh-CN" altLang="en-US"/>
           </a:p>
@@ -1642,7 +2709,7 @@
           <a:p>
             <a:fld id="{2A26E8DA-4B4F-4F2A-9FF5-B3515066D005}" type="datetimeFigureOut">
               <a:rPr lang="zh-CN" altLang="en-US" smtClean="0"/>
-              <a:t>2019/5/13</a:t>
+              <a:t>2019/5/16</a:t>
             </a:fld>
             <a:endParaRPr lang="zh-CN" altLang="en-US"/>
           </a:p>
@@ -1917,7 +2984,7 @@
           <a:p>
             <a:fld id="{2A26E8DA-4B4F-4F2A-9FF5-B3515066D005}" type="datetimeFigureOut">
               <a:rPr lang="zh-CN" altLang="en-US" smtClean="0"/>
-              <a:t>2019/5/13</a:t>
+              <a:t>2019/5/16</a:t>
             </a:fld>
             <a:endParaRPr lang="zh-CN" altLang="en-US"/>
           </a:p>
@@ -2182,7 +3249,7 @@
           <a:p>
             <a:fld id="{2A26E8DA-4B4F-4F2A-9FF5-B3515066D005}" type="datetimeFigureOut">
               <a:rPr lang="zh-CN" altLang="en-US" smtClean="0"/>
-              <a:t>2019/5/13</a:t>
+              <a:t>2019/5/16</a:t>
             </a:fld>
             <a:endParaRPr lang="zh-CN" altLang="en-US"/>
           </a:p>
@@ -2594,7 +3661,7 @@
           <a:p>
             <a:fld id="{2A26E8DA-4B4F-4F2A-9FF5-B3515066D005}" type="datetimeFigureOut">
               <a:rPr lang="zh-CN" altLang="en-US" smtClean="0"/>
-              <a:t>2019/5/13</a:t>
+              <a:t>2019/5/16</a:t>
             </a:fld>
             <a:endParaRPr lang="zh-CN" altLang="en-US"/>
           </a:p>
@@ -2735,7 +3802,7 @@
           <a:p>
             <a:fld id="{2A26E8DA-4B4F-4F2A-9FF5-B3515066D005}" type="datetimeFigureOut">
               <a:rPr lang="zh-CN" altLang="en-US" smtClean="0"/>
-              <a:t>2019/5/13</a:t>
+              <a:t>2019/5/16</a:t>
             </a:fld>
             <a:endParaRPr lang="zh-CN" altLang="en-US"/>
           </a:p>
@@ -2848,7 +3915,7 @@
           <a:p>
             <a:fld id="{2A26E8DA-4B4F-4F2A-9FF5-B3515066D005}" type="datetimeFigureOut">
               <a:rPr lang="zh-CN" altLang="en-US" smtClean="0"/>
-              <a:t>2019/5/13</a:t>
+              <a:t>2019/5/16</a:t>
             </a:fld>
             <a:endParaRPr lang="zh-CN" altLang="en-US"/>
           </a:p>
@@ -3159,7 +4226,7 @@
           <a:p>
             <a:fld id="{2A26E8DA-4B4F-4F2A-9FF5-B3515066D005}" type="datetimeFigureOut">
               <a:rPr lang="zh-CN" altLang="en-US" smtClean="0"/>
-              <a:t>2019/5/13</a:t>
+              <a:t>2019/5/16</a:t>
             </a:fld>
             <a:endParaRPr lang="zh-CN" altLang="en-US"/>
           </a:p>
@@ -3447,7 +4514,7 @@
           <a:p>
             <a:fld id="{2A26E8DA-4B4F-4F2A-9FF5-B3515066D005}" type="datetimeFigureOut">
               <a:rPr lang="zh-CN" altLang="en-US" smtClean="0"/>
-              <a:t>2019/5/13</a:t>
+              <a:t>2019/5/16</a:t>
             </a:fld>
             <a:endParaRPr lang="zh-CN" altLang="en-US"/>
           </a:p>
@@ -3688,7 +4755,7 @@
           <a:p>
             <a:fld id="{2A26E8DA-4B4F-4F2A-9FF5-B3515066D005}" type="datetimeFigureOut">
               <a:rPr lang="zh-CN" altLang="en-US" smtClean="0"/>
-              <a:t>2019/5/13</a:t>
+              <a:t>2019/5/16</a:t>
             </a:fld>
             <a:endParaRPr lang="zh-CN" altLang="en-US"/>
           </a:p>
@@ -4211,6 +5278,162 @@
           <p:cNvPr id="2" name="标题 1">
             <a:extLst>
               <a:ext uri="{FF2B5EF4-FFF2-40B4-BE49-F238E27FC236}">
+                <a16:creationId xmlns:a16="http://schemas.microsoft.com/office/drawing/2014/main" id="{C17EF4E7-0314-4B5E-9185-84E90D696CBD}"/>
+              </a:ext>
+            </a:extLst>
+          </p:cNvPr>
+          <p:cNvSpPr>
+            <a:spLocks noGrp="1"/>
+          </p:cNvSpPr>
+          <p:nvPr>
+            <p:ph type="title"/>
+          </p:nvPr>
+        </p:nvSpPr>
+        <p:spPr/>
+        <p:txBody>
+          <a:bodyPr/>
+          <a:lstStyle/>
+          <a:p>
+            <a:r>
+              <a:rPr lang="en-US" altLang="zh-CN" dirty="0">
+                <a:latin typeface="Times New Roman" panose="02020603050405020304" pitchFamily="18" charset="0"/>
+                <a:cs typeface="Times New Roman" panose="02020603050405020304" pitchFamily="18" charset="0"/>
+              </a:rPr>
+              <a:t>Shape Priors and Kinect Images</a:t>
+            </a:r>
+            <a:endParaRPr lang="zh-CN" altLang="en-US" dirty="0">
+              <a:latin typeface="Times New Roman" panose="02020603050405020304" pitchFamily="18" charset="0"/>
+              <a:cs typeface="Times New Roman" panose="02020603050405020304" pitchFamily="18" charset="0"/>
+            </a:endParaRPr>
+          </a:p>
+        </p:txBody>
+      </p:sp>
+      <p:pic>
+        <p:nvPicPr>
+          <p:cNvPr id="4" name="内容占位符 3">
+            <a:extLst>
+              <a:ext uri="{FF2B5EF4-FFF2-40B4-BE49-F238E27FC236}">
+                <a16:creationId xmlns:a16="http://schemas.microsoft.com/office/drawing/2014/main" id="{A2D478AF-C570-4AA6-82E2-D94D82EFC762}"/>
+              </a:ext>
+            </a:extLst>
+          </p:cNvPr>
+          <p:cNvPicPr>
+            <a:picLocks noGrp="1" noChangeAspect="1"/>
+          </p:cNvPicPr>
+          <p:nvPr>
+            <p:ph idx="1"/>
+          </p:nvPr>
+        </p:nvPicPr>
+        <p:blipFill rotWithShape="1">
+          <a:blip r:embed="rId3"/>
+          <a:srcRect t="21198"/>
+          <a:stretch/>
+        </p:blipFill>
+        <p:spPr>
+          <a:xfrm>
+            <a:off x="943265" y="2329287"/>
+            <a:ext cx="10305470" cy="1099713"/>
+          </a:xfrm>
+          <a:prstGeom prst="rect">
+            <a:avLst/>
+          </a:prstGeom>
+        </p:spPr>
+      </p:pic>
+      <p:pic>
+        <p:nvPicPr>
+          <p:cNvPr id="5" name="图片 4">
+            <a:extLst>
+              <a:ext uri="{FF2B5EF4-FFF2-40B4-BE49-F238E27FC236}">
+                <a16:creationId xmlns:a16="http://schemas.microsoft.com/office/drawing/2014/main" id="{CE94589B-445C-42B2-B749-55D76EEC926C}"/>
+              </a:ext>
+            </a:extLst>
+          </p:cNvPr>
+          <p:cNvPicPr>
+            <a:picLocks noChangeAspect="1"/>
+          </p:cNvPicPr>
+          <p:nvPr/>
+        </p:nvPicPr>
+        <p:blipFill>
+          <a:blip r:embed="rId4"/>
+          <a:stretch>
+            <a:fillRect/>
+          </a:stretch>
+        </p:blipFill>
+        <p:spPr>
+          <a:xfrm>
+            <a:off x="3037856" y="3620021"/>
+            <a:ext cx="5321185" cy="681372"/>
+          </a:xfrm>
+          <a:prstGeom prst="rect">
+            <a:avLst/>
+          </a:prstGeom>
+        </p:spPr>
+      </p:pic>
+      <p:pic>
+        <p:nvPicPr>
+          <p:cNvPr id="6" name="图片 5">
+            <a:extLst>
+              <a:ext uri="{FF2B5EF4-FFF2-40B4-BE49-F238E27FC236}">
+                <a16:creationId xmlns:a16="http://schemas.microsoft.com/office/drawing/2014/main" id="{D1E49E96-EFE3-453B-B901-C98F5753622C}"/>
+              </a:ext>
+            </a:extLst>
+          </p:cNvPr>
+          <p:cNvPicPr>
+            <a:picLocks noChangeAspect="1"/>
+          </p:cNvPicPr>
+          <p:nvPr/>
+        </p:nvPicPr>
+        <p:blipFill>
+          <a:blip r:embed="rId5"/>
+          <a:stretch>
+            <a:fillRect/>
+          </a:stretch>
+        </p:blipFill>
+        <p:spPr>
+          <a:xfrm>
+            <a:off x="2033627" y="4360898"/>
+            <a:ext cx="8124746" cy="1099713"/>
+          </a:xfrm>
+          <a:prstGeom prst="rect">
+            <a:avLst/>
+          </a:prstGeom>
+        </p:spPr>
+      </p:pic>
+    </p:spTree>
+    <p:extLst>
+      <p:ext uri="{BB962C8B-B14F-4D97-AF65-F5344CB8AC3E}">
+        <p14:creationId xmlns:p14="http://schemas.microsoft.com/office/powerpoint/2010/main" val="3858423793"/>
+      </p:ext>
+    </p:extLst>
+  </p:cSld>
+  <p:clrMapOvr>
+    <a:masterClrMapping/>
+  </p:clrMapOvr>
+</p:sld>
+</file>
+
+<file path=ppt/slides/slide11.xml><?xml version="1.0" encoding="utf-8"?>
+<p:sld xmlns:a="http://schemas.openxmlformats.org/drawingml/2006/main" xmlns:r="http://schemas.openxmlformats.org/officeDocument/2006/relationships" xmlns:p="http://schemas.openxmlformats.org/presentationml/2006/main">
+  <p:cSld>
+    <p:spTree>
+      <p:nvGrpSpPr>
+        <p:cNvPr id="1" name=""/>
+        <p:cNvGrpSpPr/>
+        <p:nvPr/>
+      </p:nvGrpSpPr>
+      <p:grpSpPr>
+        <a:xfrm>
+          <a:off x="0" y="0"/>
+          <a:ext cx="0" cy="0"/>
+          <a:chOff x="0" y="0"/>
+          <a:chExt cx="0" cy="0"/>
+        </a:xfrm>
+      </p:grpSpPr>
+      <p:sp>
+        <p:nvSpPr>
+          <p:cNvPr id="2" name="标题 1">
+            <a:extLst>
+              <a:ext uri="{FF2B5EF4-FFF2-40B4-BE49-F238E27FC236}">
                 <a16:creationId xmlns:a16="http://schemas.microsoft.com/office/drawing/2014/main" id="{25A03BB3-206D-4273-8013-05A8312FD0BF}"/>
               </a:ext>
             </a:extLst>
@@ -4258,7 +5481,7 @@
           </p:nvPr>
         </p:nvPicPr>
         <p:blipFill>
-          <a:blip r:embed="rId2"/>
+          <a:blip r:embed="rId3"/>
           <a:stretch>
             <a:fillRect/>
           </a:stretch>
@@ -4288,7 +5511,7 @@
           <p:nvPr/>
         </p:nvPicPr>
         <p:blipFill>
-          <a:blip r:embed="rId3"/>
+          <a:blip r:embed="rId4"/>
           <a:stretch>
             <a:fillRect/>
           </a:stretch>
@@ -4307,6 +5530,103 @@
     <p:extLst>
       <p:ext uri="{BB962C8B-B14F-4D97-AF65-F5344CB8AC3E}">
         <p14:creationId xmlns:p14="http://schemas.microsoft.com/office/powerpoint/2010/main" val="3257219353"/>
+      </p:ext>
+    </p:extLst>
+  </p:cSld>
+  <p:clrMapOvr>
+    <a:masterClrMapping/>
+  </p:clrMapOvr>
+</p:sld>
+</file>
+
+<file path=ppt/slides/slide12.xml><?xml version="1.0" encoding="utf-8"?>
+<p:sld xmlns:a="http://schemas.openxmlformats.org/drawingml/2006/main" xmlns:r="http://schemas.openxmlformats.org/officeDocument/2006/relationships" xmlns:p="http://schemas.openxmlformats.org/presentationml/2006/main">
+  <p:cSld>
+    <p:spTree>
+      <p:nvGrpSpPr>
+        <p:cNvPr id="1" name=""/>
+        <p:cNvGrpSpPr/>
+        <p:nvPr/>
+      </p:nvGrpSpPr>
+      <p:grpSpPr>
+        <a:xfrm>
+          <a:off x="0" y="0"/>
+          <a:ext cx="0" cy="0"/>
+          <a:chOff x="0" y="0"/>
+          <a:chExt cx="0" cy="0"/>
+        </a:xfrm>
+      </p:grpSpPr>
+      <p:sp>
+        <p:nvSpPr>
+          <p:cNvPr id="2" name="标题 1">
+            <a:extLst>
+              <a:ext uri="{FF2B5EF4-FFF2-40B4-BE49-F238E27FC236}">
+                <a16:creationId xmlns:a16="http://schemas.microsoft.com/office/drawing/2014/main" id="{EF13C5A6-601D-4974-A537-A95823B57696}"/>
+              </a:ext>
+            </a:extLst>
+          </p:cNvPr>
+          <p:cNvSpPr>
+            <a:spLocks noGrp="1"/>
+          </p:cNvSpPr>
+          <p:nvPr>
+            <p:ph type="title"/>
+          </p:nvPr>
+        </p:nvSpPr>
+        <p:spPr/>
+        <p:txBody>
+          <a:bodyPr/>
+          <a:lstStyle/>
+          <a:p>
+            <a:r>
+              <a:rPr lang="en-US" altLang="zh-CN" dirty="0">
+                <a:latin typeface="Times New Roman" panose="02020603050405020304" pitchFamily="18" charset="0"/>
+                <a:cs typeface="Times New Roman" panose="02020603050405020304" pitchFamily="18" charset="0"/>
+              </a:rPr>
+              <a:t>Experiment</a:t>
+            </a:r>
+            <a:endParaRPr lang="zh-CN" altLang="en-US" dirty="0">
+              <a:latin typeface="Times New Roman" panose="02020603050405020304" pitchFamily="18" charset="0"/>
+              <a:cs typeface="Times New Roman" panose="02020603050405020304" pitchFamily="18" charset="0"/>
+            </a:endParaRPr>
+          </a:p>
+        </p:txBody>
+      </p:sp>
+      <p:pic>
+        <p:nvPicPr>
+          <p:cNvPr id="4" name="内容占位符 3">
+            <a:extLst>
+              <a:ext uri="{FF2B5EF4-FFF2-40B4-BE49-F238E27FC236}">
+                <a16:creationId xmlns:a16="http://schemas.microsoft.com/office/drawing/2014/main" id="{6BC998D1-2639-42F7-8153-3CDAD105EFC6}"/>
+              </a:ext>
+            </a:extLst>
+          </p:cNvPr>
+          <p:cNvPicPr>
+            <a:picLocks noGrp="1" noChangeAspect="1"/>
+          </p:cNvPicPr>
+          <p:nvPr>
+            <p:ph idx="1"/>
+          </p:nvPr>
+        </p:nvPicPr>
+        <p:blipFill>
+          <a:blip r:embed="rId3"/>
+          <a:stretch>
+            <a:fillRect/>
+          </a:stretch>
+        </p:blipFill>
+        <p:spPr>
+          <a:xfrm>
+            <a:off x="244043" y="1690688"/>
+            <a:ext cx="11947957" cy="4657861"/>
+          </a:xfrm>
+          <a:prstGeom prst="rect">
+            <a:avLst/>
+          </a:prstGeom>
+        </p:spPr>
+      </p:pic>
+    </p:spTree>
+    <p:extLst>
+      <p:ext uri="{BB962C8B-B14F-4D97-AF65-F5344CB8AC3E}">
+        <p14:creationId xmlns:p14="http://schemas.microsoft.com/office/powerpoint/2010/main" val="1309612910"/>
       </p:ext>
     </p:extLst>
   </p:cSld>
@@ -4961,7 +6281,7 @@
           <p:nvPr/>
         </p:nvPicPr>
         <p:blipFill>
-          <a:blip r:embed="rId2"/>
+          <a:blip r:embed="rId3"/>
           <a:stretch>
             <a:fillRect/>
           </a:stretch>
@@ -4991,7 +6311,7 @@
           <p:nvPr/>
         </p:nvPicPr>
         <p:blipFill>
-          <a:blip r:embed="rId3"/>
+          <a:blip r:embed="rId4"/>
           <a:stretch>
             <a:fillRect/>
           </a:stretch>
@@ -5036,47 +6356,12 @@
           <a:chExt cx="0" cy="0"/>
         </a:xfrm>
       </p:grpSpPr>
-      <p:sp>
-        <p:nvSpPr>
-          <p:cNvPr id="2" name="标题 1">
-            <a:extLst>
-              <a:ext uri="{FF2B5EF4-FFF2-40B4-BE49-F238E27FC236}">
-                <a16:creationId xmlns:a16="http://schemas.microsoft.com/office/drawing/2014/main" id="{C17EF4E7-0314-4B5E-9185-84E90D696CBD}"/>
-              </a:ext>
-            </a:extLst>
-          </p:cNvPr>
-          <p:cNvSpPr>
-            <a:spLocks noGrp="1"/>
-          </p:cNvSpPr>
-          <p:nvPr>
-            <p:ph type="title"/>
-          </p:nvPr>
-        </p:nvSpPr>
-        <p:spPr/>
-        <p:txBody>
-          <a:bodyPr/>
-          <a:lstStyle/>
-          <a:p>
-            <a:r>
-              <a:rPr lang="en-US" altLang="zh-CN" dirty="0">
-                <a:latin typeface="Times New Roman" panose="02020603050405020304" pitchFamily="18" charset="0"/>
-                <a:cs typeface="Times New Roman" panose="02020603050405020304" pitchFamily="18" charset="0"/>
-              </a:rPr>
-              <a:t>Shape Priors and Kinect Images</a:t>
-            </a:r>
-            <a:endParaRPr lang="zh-CN" altLang="en-US" dirty="0">
-              <a:latin typeface="Times New Roman" panose="02020603050405020304" pitchFamily="18" charset="0"/>
-              <a:cs typeface="Times New Roman" panose="02020603050405020304" pitchFamily="18" charset="0"/>
-            </a:endParaRPr>
-          </a:p>
-        </p:txBody>
-      </p:sp>
       <p:pic>
         <p:nvPicPr>
           <p:cNvPr id="4" name="内容占位符 3">
             <a:extLst>
               <a:ext uri="{FF2B5EF4-FFF2-40B4-BE49-F238E27FC236}">
-                <a16:creationId xmlns:a16="http://schemas.microsoft.com/office/drawing/2014/main" id="{A2D478AF-C570-4AA6-82E2-D94D82EFC762}"/>
+                <a16:creationId xmlns:a16="http://schemas.microsoft.com/office/drawing/2014/main" id="{4DFB507D-51AE-4AF5-987B-8B29E736ACF5}"/>
               </a:ext>
             </a:extLst>
           </p:cNvPr>
@@ -5087,15 +6372,16 @@
             <p:ph idx="1"/>
           </p:nvPr>
         </p:nvPicPr>
-        <p:blipFill rotWithShape="1">
-          <a:blip r:embed="rId2"/>
-          <a:srcRect t="21198"/>
-          <a:stretch/>
+        <p:blipFill>
+          <a:blip r:embed="rId3"/>
+          <a:stretch>
+            <a:fillRect/>
+          </a:stretch>
         </p:blipFill>
         <p:spPr>
           <a:xfrm>
-            <a:off x="943265" y="2329287"/>
-            <a:ext cx="10305470" cy="1099713"/>
+            <a:off x="673300" y="117566"/>
+            <a:ext cx="10845399" cy="4174535"/>
           </a:xfrm>
           <a:prstGeom prst="rect">
             <a:avLst/>
@@ -5107,37 +6393,7 @@
           <p:cNvPr id="5" name="图片 4">
             <a:extLst>
               <a:ext uri="{FF2B5EF4-FFF2-40B4-BE49-F238E27FC236}">
-                <a16:creationId xmlns:a16="http://schemas.microsoft.com/office/drawing/2014/main" id="{CE94589B-445C-42B2-B749-55D76EEC926C}"/>
-              </a:ext>
-            </a:extLst>
-          </p:cNvPr>
-          <p:cNvPicPr>
-            <a:picLocks noChangeAspect="1"/>
-          </p:cNvPicPr>
-          <p:nvPr/>
-        </p:nvPicPr>
-        <p:blipFill>
-          <a:blip r:embed="rId3"/>
-          <a:stretch>
-            <a:fillRect/>
-          </a:stretch>
-        </p:blipFill>
-        <p:spPr>
-          <a:xfrm>
-            <a:off x="3037856" y="3620021"/>
-            <a:ext cx="5321185" cy="681372"/>
-          </a:xfrm>
-          <a:prstGeom prst="rect">
-            <a:avLst/>
-          </a:prstGeom>
-        </p:spPr>
-      </p:pic>
-      <p:pic>
-        <p:nvPicPr>
-          <p:cNvPr id="6" name="图片 5">
-            <a:extLst>
-              <a:ext uri="{FF2B5EF4-FFF2-40B4-BE49-F238E27FC236}">
-                <a16:creationId xmlns:a16="http://schemas.microsoft.com/office/drawing/2014/main" id="{D1E49E96-EFE3-453B-B901-C98F5753622C}"/>
+                <a16:creationId xmlns:a16="http://schemas.microsoft.com/office/drawing/2014/main" id="{BFF1BD51-D2FF-47AA-8E64-62AB39FF6150}"/>
               </a:ext>
             </a:extLst>
           </p:cNvPr>
@@ -5154,8 +6410,8 @@
         </p:blipFill>
         <p:spPr>
           <a:xfrm>
-            <a:off x="2033627" y="4360898"/>
-            <a:ext cx="8124746" cy="1099713"/>
+            <a:off x="917781" y="4422729"/>
+            <a:ext cx="10356435" cy="2317705"/>
           </a:xfrm>
           <a:prstGeom prst="rect">
             <a:avLst/>
@@ -5165,7 +6421,7 @@
     </p:spTree>
     <p:extLst>
       <p:ext uri="{BB962C8B-B14F-4D97-AF65-F5344CB8AC3E}">
-        <p14:creationId xmlns:p14="http://schemas.microsoft.com/office/powerpoint/2010/main" val="3858423793"/>
+        <p14:creationId xmlns:p14="http://schemas.microsoft.com/office/powerpoint/2010/main" val="1000317028"/>
       </p:ext>
     </p:extLst>
   </p:cSld>

--- a/intrinsic image/seven.pptx
+++ b/intrinsic image/seven.pptx
@@ -208,7 +208,7 @@
           <a:p>
             <a:fld id="{BF5FD556-2BC1-4B40-9D52-68B9F39CBE38}" type="datetimeFigureOut">
               <a:rPr lang="zh-CN" altLang="en-US" smtClean="0"/>
-              <a:t>2019/5/16</a:t>
+              <a:t>2019/11/12</a:t>
             </a:fld>
             <a:endParaRPr lang="zh-CN" altLang="en-US"/>
           </a:p>
@@ -2105,7 +2105,7 @@
           <a:p>
             <a:fld id="{2A26E8DA-4B4F-4F2A-9FF5-B3515066D005}" type="datetimeFigureOut">
               <a:rPr lang="zh-CN" altLang="en-US" smtClean="0"/>
-              <a:t>2019/5/16</a:t>
+              <a:t>2019/11/12</a:t>
             </a:fld>
             <a:endParaRPr lang="zh-CN" altLang="en-US"/>
           </a:p>
@@ -2303,7 +2303,7 @@
           <a:p>
             <a:fld id="{2A26E8DA-4B4F-4F2A-9FF5-B3515066D005}" type="datetimeFigureOut">
               <a:rPr lang="zh-CN" altLang="en-US" smtClean="0"/>
-              <a:t>2019/5/16</a:t>
+              <a:t>2019/11/12</a:t>
             </a:fld>
             <a:endParaRPr lang="zh-CN" altLang="en-US"/>
           </a:p>
@@ -2511,7 +2511,7 @@
           <a:p>
             <a:fld id="{2A26E8DA-4B4F-4F2A-9FF5-B3515066D005}" type="datetimeFigureOut">
               <a:rPr lang="zh-CN" altLang="en-US" smtClean="0"/>
-              <a:t>2019/5/16</a:t>
+              <a:t>2019/11/12</a:t>
             </a:fld>
             <a:endParaRPr lang="zh-CN" altLang="en-US"/>
           </a:p>
@@ -2709,7 +2709,7 @@
           <a:p>
             <a:fld id="{2A26E8DA-4B4F-4F2A-9FF5-B3515066D005}" type="datetimeFigureOut">
               <a:rPr lang="zh-CN" altLang="en-US" smtClean="0"/>
-              <a:t>2019/5/16</a:t>
+              <a:t>2019/11/12</a:t>
             </a:fld>
             <a:endParaRPr lang="zh-CN" altLang="en-US"/>
           </a:p>
@@ -2984,7 +2984,7 @@
           <a:p>
             <a:fld id="{2A26E8DA-4B4F-4F2A-9FF5-B3515066D005}" type="datetimeFigureOut">
               <a:rPr lang="zh-CN" altLang="en-US" smtClean="0"/>
-              <a:t>2019/5/16</a:t>
+              <a:t>2019/11/12</a:t>
             </a:fld>
             <a:endParaRPr lang="zh-CN" altLang="en-US"/>
           </a:p>
@@ -3249,7 +3249,7 @@
           <a:p>
             <a:fld id="{2A26E8DA-4B4F-4F2A-9FF5-B3515066D005}" type="datetimeFigureOut">
               <a:rPr lang="zh-CN" altLang="en-US" smtClean="0"/>
-              <a:t>2019/5/16</a:t>
+              <a:t>2019/11/12</a:t>
             </a:fld>
             <a:endParaRPr lang="zh-CN" altLang="en-US"/>
           </a:p>
@@ -3661,7 +3661,7 @@
           <a:p>
             <a:fld id="{2A26E8DA-4B4F-4F2A-9FF5-B3515066D005}" type="datetimeFigureOut">
               <a:rPr lang="zh-CN" altLang="en-US" smtClean="0"/>
-              <a:t>2019/5/16</a:t>
+              <a:t>2019/11/12</a:t>
             </a:fld>
             <a:endParaRPr lang="zh-CN" altLang="en-US"/>
           </a:p>
@@ -3802,7 +3802,7 @@
           <a:p>
             <a:fld id="{2A26E8DA-4B4F-4F2A-9FF5-B3515066D005}" type="datetimeFigureOut">
               <a:rPr lang="zh-CN" altLang="en-US" smtClean="0"/>
-              <a:t>2019/5/16</a:t>
+              <a:t>2019/11/12</a:t>
             </a:fld>
             <a:endParaRPr lang="zh-CN" altLang="en-US"/>
           </a:p>
@@ -3915,7 +3915,7 @@
           <a:p>
             <a:fld id="{2A26E8DA-4B4F-4F2A-9FF5-B3515066D005}" type="datetimeFigureOut">
               <a:rPr lang="zh-CN" altLang="en-US" smtClean="0"/>
-              <a:t>2019/5/16</a:t>
+              <a:t>2019/11/12</a:t>
             </a:fld>
             <a:endParaRPr lang="zh-CN" altLang="en-US"/>
           </a:p>
@@ -4226,7 +4226,7 @@
           <a:p>
             <a:fld id="{2A26E8DA-4B4F-4F2A-9FF5-B3515066D005}" type="datetimeFigureOut">
               <a:rPr lang="zh-CN" altLang="en-US" smtClean="0"/>
-              <a:t>2019/5/16</a:t>
+              <a:t>2019/11/12</a:t>
             </a:fld>
             <a:endParaRPr lang="zh-CN" altLang="en-US"/>
           </a:p>
@@ -4514,7 +4514,7 @@
           <a:p>
             <a:fld id="{2A26E8DA-4B4F-4F2A-9FF5-B3515066D005}" type="datetimeFigureOut">
               <a:rPr lang="zh-CN" altLang="en-US" smtClean="0"/>
-              <a:t>2019/5/16</a:t>
+              <a:t>2019/11/12</a:t>
             </a:fld>
             <a:endParaRPr lang="zh-CN" altLang="en-US"/>
           </a:p>
@@ -4755,7 +4755,7 @@
           <a:p>
             <a:fld id="{2A26E8DA-4B4F-4F2A-9FF5-B3515066D005}" type="datetimeFigureOut">
               <a:rPr lang="zh-CN" altLang="en-US" smtClean="0"/>
-              <a:t>2019/5/16</a:t>
+              <a:t>2019/11/12</a:t>
             </a:fld>
             <a:endParaRPr lang="zh-CN" altLang="en-US"/>
           </a:p>
@@ -5194,11 +5194,18 @@
           <a:lstStyle/>
           <a:p>
             <a:r>
+              <a:rPr lang="zh-CN" altLang="en-US">
+                <a:latin typeface="楷体" panose="02010609060101010101" pitchFamily="49" charset="-122"/>
+                <a:ea typeface="楷体" panose="02010609060101010101" pitchFamily="49" charset="-122"/>
+              </a:rPr>
+              <a:t>本征图像</a:t>
+            </a:r>
+            <a:r>
               <a:rPr lang="zh-CN" altLang="en-US" dirty="0">
                 <a:latin typeface="楷体" panose="02010609060101010101" pitchFamily="49" charset="-122"/>
                 <a:ea typeface="楷体" panose="02010609060101010101" pitchFamily="49" charset="-122"/>
               </a:rPr>
-              <a:t>本质图像论文汇报（七）</a:t>
+              <a:t>论文汇报（七）</a:t>
             </a:r>
             <a:endParaRPr lang="zh-CN" altLang="en-US" dirty="0"/>
           </a:p>
